--- a/docs/Pestis in festo.pptx
+++ b/docs/Pestis in festo.pptx
@@ -9,8 +9,9 @@
     <p:sldId id="257" r:id="rId3"/>
     <p:sldId id="258" r:id="rId4"/>
     <p:sldId id="259" r:id="rId5"/>
-    <p:sldId id="260" r:id="rId6"/>
-    <p:sldId id="261" r:id="rId7"/>
+    <p:sldId id="262" r:id="rId6"/>
+    <p:sldId id="260" r:id="rId7"/>
+    <p:sldId id="261" r:id="rId8"/>
   </p:sldIdLst>
   <p:sldSz cx="9144000" cy="5143500" type="screen16x9"/>
   <p:notesSz cx="6858000" cy="9144000"/>
@@ -293,7 +294,7 @@
           <a:p>
             <a:fld id="{6C2C0DE4-0F06-4595-A9F3-4F15BDD6F084}" type="datetimeFigureOut">
               <a:rPr lang="ru-RU" smtClean="0"/>
-              <a:t>29.12.2021</a:t>
+              <a:t>13.01.2022</a:t>
             </a:fld>
             <a:endParaRPr lang="ru-RU"/>
           </a:p>
@@ -463,7 +464,7 @@
           <a:p>
             <a:fld id="{6C2C0DE4-0F06-4595-A9F3-4F15BDD6F084}" type="datetimeFigureOut">
               <a:rPr lang="ru-RU" smtClean="0"/>
-              <a:t>29.12.2021</a:t>
+              <a:t>13.01.2022</a:t>
             </a:fld>
             <a:endParaRPr lang="ru-RU"/>
           </a:p>
@@ -643,7 +644,7 @@
           <a:p>
             <a:fld id="{6C2C0DE4-0F06-4595-A9F3-4F15BDD6F084}" type="datetimeFigureOut">
               <a:rPr lang="ru-RU" smtClean="0"/>
-              <a:t>29.12.2021</a:t>
+              <a:t>13.01.2022</a:t>
             </a:fld>
             <a:endParaRPr lang="ru-RU"/>
           </a:p>
@@ -813,7 +814,7 @@
           <a:p>
             <a:fld id="{6C2C0DE4-0F06-4595-A9F3-4F15BDD6F084}" type="datetimeFigureOut">
               <a:rPr lang="ru-RU" smtClean="0"/>
-              <a:t>29.12.2021</a:t>
+              <a:t>13.01.2022</a:t>
             </a:fld>
             <a:endParaRPr lang="ru-RU"/>
           </a:p>
@@ -1059,7 +1060,7 @@
           <a:p>
             <a:fld id="{6C2C0DE4-0F06-4595-A9F3-4F15BDD6F084}" type="datetimeFigureOut">
               <a:rPr lang="ru-RU" smtClean="0"/>
-              <a:t>29.12.2021</a:t>
+              <a:t>13.01.2022</a:t>
             </a:fld>
             <a:endParaRPr lang="ru-RU"/>
           </a:p>
@@ -1347,7 +1348,7 @@
           <a:p>
             <a:fld id="{6C2C0DE4-0F06-4595-A9F3-4F15BDD6F084}" type="datetimeFigureOut">
               <a:rPr lang="ru-RU" smtClean="0"/>
-              <a:t>29.12.2021</a:t>
+              <a:t>13.01.2022</a:t>
             </a:fld>
             <a:endParaRPr lang="ru-RU"/>
           </a:p>
@@ -1769,7 +1770,7 @@
           <a:p>
             <a:fld id="{6C2C0DE4-0F06-4595-A9F3-4F15BDD6F084}" type="datetimeFigureOut">
               <a:rPr lang="ru-RU" smtClean="0"/>
-              <a:t>29.12.2021</a:t>
+              <a:t>13.01.2022</a:t>
             </a:fld>
             <a:endParaRPr lang="ru-RU"/>
           </a:p>
@@ -1887,7 +1888,7 @@
           <a:p>
             <a:fld id="{6C2C0DE4-0F06-4595-A9F3-4F15BDD6F084}" type="datetimeFigureOut">
               <a:rPr lang="ru-RU" smtClean="0"/>
-              <a:t>29.12.2021</a:t>
+              <a:t>13.01.2022</a:t>
             </a:fld>
             <a:endParaRPr lang="ru-RU"/>
           </a:p>
@@ -1982,7 +1983,7 @@
           <a:p>
             <a:fld id="{6C2C0DE4-0F06-4595-A9F3-4F15BDD6F084}" type="datetimeFigureOut">
               <a:rPr lang="ru-RU" smtClean="0"/>
-              <a:t>29.12.2021</a:t>
+              <a:t>13.01.2022</a:t>
             </a:fld>
             <a:endParaRPr lang="ru-RU"/>
           </a:p>
@@ -2259,7 +2260,7 @@
           <a:p>
             <a:fld id="{6C2C0DE4-0F06-4595-A9F3-4F15BDD6F084}" type="datetimeFigureOut">
               <a:rPr lang="ru-RU" smtClean="0"/>
-              <a:t>29.12.2021</a:t>
+              <a:t>13.01.2022</a:t>
             </a:fld>
             <a:endParaRPr lang="ru-RU"/>
           </a:p>
@@ -2512,7 +2513,7 @@
           <a:p>
             <a:fld id="{6C2C0DE4-0F06-4595-A9F3-4F15BDD6F084}" type="datetimeFigureOut">
               <a:rPr lang="ru-RU" smtClean="0"/>
-              <a:t>29.12.2021</a:t>
+              <a:t>13.01.2022</a:t>
             </a:fld>
             <a:endParaRPr lang="ru-RU"/>
           </a:p>
@@ -2725,7 +2726,7 @@
           <a:p>
             <a:fld id="{6C2C0DE4-0F06-4595-A9F3-4F15BDD6F084}" type="datetimeFigureOut">
               <a:rPr lang="ru-RU" smtClean="0"/>
-              <a:t>29.12.2021</a:t>
+              <a:t>13.01.2022</a:t>
             </a:fld>
             <a:endParaRPr lang="ru-RU"/>
           </a:p>
@@ -3663,16 +3664,7 @@
                 </a:solidFill>
                 <a:latin typeface="Calibri"/>
               </a:rPr>
-              <a:t>. </a:t>
-            </a:r>
-            <a:r>
-              <a:rPr lang="ru-RU" sz="1600" spc="-1" dirty="0" smtClean="0">
-                <a:solidFill>
-                  <a:schemeClr val="bg1"/>
-                </a:solidFill>
-                <a:latin typeface="Calibri"/>
-              </a:rPr>
-              <a:t>Каждый объект в игровом мире является объектом какого либо класса, все классы образуют большое дерево наследования, где в основании класс точки, а на вершине может находиться любой другой класс в игре</a:t>
+              <a:t>. Каждый объект в игровом мире является объектом какого либо класса, все классы образуют большое дерево наследования, где в основании класс точки, а на вершине может находиться любой другой класс в игре</a:t>
             </a:r>
             <a:r>
               <a:rPr lang="en-US" sz="1600" spc="-1" dirty="0" smtClean="0">
@@ -3966,8 +3958,8 @@
         </p:nvSpPr>
         <p:spPr>
           <a:xfrm>
-            <a:off x="1691680" y="3675181"/>
-            <a:ext cx="5760640" cy="646331"/>
+            <a:off x="1691680" y="3507854"/>
+            <a:ext cx="5760640" cy="1200329"/>
           </a:xfrm>
           <a:prstGeom prst="rect">
             <a:avLst/>
@@ -3991,7 +3983,7 @@
                   <a:schemeClr val="bg1"/>
                 </a:solidFill>
               </a:rPr>
-              <a:t>На экране </a:t>
+              <a:t>На </a:t>
             </a:r>
             <a:r>
               <a:rPr lang="ru-RU" spc="-1" dirty="0" smtClean="0">
@@ -3999,7 +3991,47 @@
                   <a:schemeClr val="bg1"/>
                 </a:solidFill>
               </a:rPr>
-              <a:t>присутствует</a:t>
+              <a:t>экране помимо основного </a:t>
+            </a:r>
+            <a:r>
+              <a:rPr lang="ru-RU" spc="-1" dirty="0" err="1" smtClean="0">
+                <a:solidFill>
+                  <a:schemeClr val="bg1"/>
+                </a:solidFill>
+              </a:rPr>
+              <a:t>геймплея</a:t>
+            </a:r>
+            <a:r>
+              <a:rPr lang="ru-RU" spc="-1" dirty="0" smtClean="0">
+                <a:solidFill>
+                  <a:schemeClr val="bg1"/>
+                </a:solidFill>
+              </a:rPr>
+              <a:t> мы видим полоску здоровья и </a:t>
+            </a:r>
+            <a:r>
+              <a:rPr lang="ru-RU" spc="-1" dirty="0" err="1" smtClean="0">
+                <a:solidFill>
+                  <a:schemeClr val="bg1"/>
+                </a:solidFill>
+              </a:rPr>
+              <a:t>миникарту</a:t>
+            </a:r>
+            <a:r>
+              <a:rPr lang="ru-RU" spc="-1" dirty="0" smtClean="0">
+                <a:solidFill>
+                  <a:schemeClr val="bg1"/>
+                </a:solidFill>
+              </a:rPr>
+              <a:t> сверху слева и справа снизу, а так же спидометр слева </a:t>
+            </a:r>
+            <a:r>
+              <a:rPr lang="ru-RU" spc="-1" dirty="0" smtClean="0">
+                <a:solidFill>
+                  <a:schemeClr val="bg1"/>
+                </a:solidFill>
+              </a:rPr>
+              <a:t>снизу</a:t>
             </a:r>
             <a:r>
               <a:rPr lang="en-US" spc="-1" dirty="0" smtClean="0">
@@ -4007,7 +4039,7 @@
                   <a:schemeClr val="bg1"/>
                 </a:solidFill>
               </a:rPr>
-              <a:t>:</a:t>
+              <a:t> </a:t>
             </a:r>
             <a:r>
               <a:rPr lang="ru-RU" spc="-1" dirty="0" smtClean="0">
@@ -4015,16 +4047,24 @@
                   <a:schemeClr val="bg1"/>
                 </a:solidFill>
               </a:rPr>
-              <a:t> *описание интерфейса*</a:t>
-            </a:r>
-            <a:endParaRPr lang="ru-RU" b="0" strike="noStrike" spc="-1" dirty="0" smtClean="0">
-              <a:solidFill>
-                <a:schemeClr val="bg1"/>
-              </a:solidFill>
-              <a:latin typeface="Arial"/>
-            </a:endParaRPr>
-          </a:p>
-          <a:p>
+              <a:t>и счетчик </a:t>
+            </a:r>
+            <a:r>
+              <a:rPr lang="en-US" spc="-1" dirty="0" smtClean="0">
+                <a:solidFill>
+                  <a:schemeClr val="bg1"/>
+                </a:solidFill>
+              </a:rPr>
+              <a:t>FPS</a:t>
+            </a:r>
+            <a:r>
+              <a:rPr lang="ru-RU" spc="-1" dirty="0" smtClean="0">
+                <a:solidFill>
+                  <a:schemeClr val="bg1"/>
+                </a:solidFill>
+              </a:rPr>
+              <a:t> сверху справа</a:t>
+            </a:r>
             <a:endParaRPr lang="ru-RU" dirty="0">
               <a:solidFill>
                 <a:schemeClr val="bg1"/>
@@ -4035,7 +4075,7 @@
       </p:sp>
       <p:pic>
         <p:nvPicPr>
-          <p:cNvPr id="5" name="Picture 4" descr="Couldn&amp;#39;t find a good picture of the surface background, so I unpackaged and  reassembled it in 1920x1080. : r/noita"/>
+          <p:cNvPr id="1027" name="Picture 3"/>
           <p:cNvPicPr>
             <a:picLocks noChangeAspect="1" noChangeArrowheads="1"/>
           </p:cNvPicPr>
@@ -4044,27 +4084,6 @@
         <p:blipFill>
           <a:blip r:embed="rId4" cstate="print">
             <a:extLst>
-              <a:ext uri="{BEBA8EAE-BF5A-486C-A8C5-ECC9F3942E4B}">
-                <a14:imgProps xmlns:a14="http://schemas.microsoft.com/office/drawing/2010/main">
-                  <a14:imgLayer r:embed="rId5">
-                    <a14:imgEffect>
-                      <a14:artisticGlowDiffused/>
-                    </a14:imgEffect>
-                    <a14:imgEffect>
-                      <a14:sharpenSoften amount="-50000"/>
-                    </a14:imgEffect>
-                    <a14:imgEffect>
-                      <a14:colorTemperature colorTemp="7200"/>
-                    </a14:imgEffect>
-                    <a14:imgEffect>
-                      <a14:saturation sat="66000"/>
-                    </a14:imgEffect>
-                    <a14:imgEffect>
-                      <a14:brightnessContrast bright="20000" contrast="20000"/>
-                    </a14:imgEffect>
-                  </a14:imgLayer>
-                </a14:imgProps>
-              </a:ext>
               <a:ext uri="{28A0092B-C50C-407E-A947-70E740481C1C}">
                 <a14:useLocalDpi xmlns:a14="http://schemas.microsoft.com/office/drawing/2010/main" val="0"/>
               </a:ext>
@@ -4077,55 +4096,37 @@
         </p:blipFill>
         <p:spPr bwMode="auto">
           <a:xfrm>
-            <a:off x="2358008" y="485820"/>
-            <a:ext cx="4427984" cy="2490741"/>
+            <a:off x="2214140" y="483518"/>
+            <a:ext cx="4715719" cy="2654994"/>
           </a:xfrm>
           <a:prstGeom prst="rect">
             <a:avLst/>
           </a:prstGeom>
           <a:noFill/>
+          <a:ln>
+            <a:noFill/>
+          </a:ln>
           <a:extLst>
             <a:ext uri="{909E8E84-426E-40DD-AFC4-6F175D3DCCD1}">
               <a14:hiddenFill xmlns:a14="http://schemas.microsoft.com/office/drawing/2010/main">
                 <a:solidFill>
-                  <a:srgbClr val="FFFFFF"/>
+                  <a:schemeClr val="accent1"/>
                 </a:solidFill>
               </a14:hiddenFill>
+            </a:ext>
+            <a:ext uri="{91240B29-F687-4F45-9708-019B960494DF}">
+              <a14:hiddenLine xmlns:a14="http://schemas.microsoft.com/office/drawing/2010/main" w="9525">
+                <a:solidFill>
+                  <a:schemeClr val="tx1"/>
+                </a:solidFill>
+                <a:miter lim="800000"/>
+                <a:headEnd/>
+                <a:tailEnd/>
+              </a14:hiddenLine>
             </a:ext>
           </a:extLst>
         </p:spPr>
       </p:pic>
-      <p:sp>
-        <p:nvSpPr>
-          <p:cNvPr id="4" name="TextBox 3"/>
-          <p:cNvSpPr txBox="1"/>
-          <p:nvPr/>
-        </p:nvSpPr>
-        <p:spPr>
-          <a:xfrm>
-            <a:off x="2447764" y="2010172"/>
-            <a:ext cx="4392488" cy="369332"/>
-          </a:xfrm>
-          <a:prstGeom prst="rect">
-            <a:avLst/>
-          </a:prstGeom>
-          <a:noFill/>
-        </p:spPr>
-        <p:txBody>
-          <a:bodyPr wrap="square" rtlCol="0">
-            <a:spAutoFit/>
-          </a:bodyPr>
-          <a:lstStyle/>
-          <a:p>
-            <a:pPr algn="ctr"/>
-            <a:r>
-              <a:rPr lang="ru-RU" dirty="0" smtClean="0"/>
-              <a:t>*скриншот из игры*</a:t>
-            </a:r>
-            <a:endParaRPr lang="ru-RU" dirty="0"/>
-          </a:p>
-        </p:txBody>
-      </p:sp>
     </p:spTree>
     <p:extLst>
       <p:ext uri="{BB962C8B-B14F-4D97-AF65-F5344CB8AC3E}">
@@ -4222,6 +4223,188 @@
           </a:extLst>
         </p:spPr>
       </p:pic>
+      <p:pic>
+        <p:nvPicPr>
+          <p:cNvPr id="1026" name="Picture 2"/>
+          <p:cNvPicPr>
+            <a:picLocks noChangeAspect="1" noChangeArrowheads="1"/>
+          </p:cNvPicPr>
+          <p:nvPr/>
+        </p:nvPicPr>
+        <p:blipFill>
+          <a:blip r:embed="rId4" cstate="print">
+            <a:extLst>
+              <a:ext uri="{28A0092B-C50C-407E-A947-70E740481C1C}">
+                <a14:useLocalDpi xmlns:a14="http://schemas.microsoft.com/office/drawing/2010/main" val="0"/>
+              </a:ext>
+            </a:extLst>
+          </a:blip>
+          <a:srcRect/>
+          <a:stretch>
+            <a:fillRect/>
+          </a:stretch>
+        </p:blipFill>
+        <p:spPr bwMode="auto">
+          <a:xfrm>
+            <a:off x="1624910" y="699542"/>
+            <a:ext cx="5885796" cy="3312368"/>
+          </a:xfrm>
+          <a:prstGeom prst="rect">
+            <a:avLst/>
+          </a:prstGeom>
+          <a:noFill/>
+          <a:ln>
+            <a:noFill/>
+          </a:ln>
+          <a:extLst>
+            <a:ext uri="{909E8E84-426E-40DD-AFC4-6F175D3DCCD1}">
+              <a14:hiddenFill xmlns:a14="http://schemas.microsoft.com/office/drawing/2010/main">
+                <a:solidFill>
+                  <a:schemeClr val="accent1"/>
+                </a:solidFill>
+              </a14:hiddenFill>
+            </a:ext>
+            <a:ext uri="{91240B29-F687-4F45-9708-019B960494DF}">
+              <a14:hiddenLine xmlns:a14="http://schemas.microsoft.com/office/drawing/2010/main" w="9525">
+                <a:solidFill>
+                  <a:schemeClr val="tx1"/>
+                </a:solidFill>
+                <a:miter lim="800000"/>
+                <a:headEnd/>
+                <a:tailEnd/>
+              </a14:hiddenLine>
+            </a:ext>
+          </a:extLst>
+        </p:spPr>
+      </p:pic>
+      <p:sp>
+        <p:nvSpPr>
+          <p:cNvPr id="3" name="TextBox 2"/>
+          <p:cNvSpPr txBox="1"/>
+          <p:nvPr/>
+        </p:nvSpPr>
+        <p:spPr>
+          <a:xfrm>
+            <a:off x="3049734" y="4155926"/>
+            <a:ext cx="3044532" cy="369332"/>
+          </a:xfrm>
+          <a:prstGeom prst="rect">
+            <a:avLst/>
+          </a:prstGeom>
+          <a:noFill/>
+        </p:spPr>
+        <p:txBody>
+          <a:bodyPr wrap="square" rtlCol="0">
+            <a:spAutoFit/>
+          </a:bodyPr>
+          <a:lstStyle/>
+          <a:p>
+            <a:pPr algn="ctr"/>
+            <a:r>
+              <a:rPr lang="ru-RU" i="1" dirty="0" smtClean="0">
+                <a:solidFill>
+                  <a:schemeClr val="bg1"/>
+                </a:solidFill>
+              </a:rPr>
+              <a:t>Скриншот из меню</a:t>
+            </a:r>
+            <a:endParaRPr lang="ru-RU" i="1" dirty="0">
+              <a:solidFill>
+                <a:schemeClr val="bg1"/>
+              </a:solidFill>
+            </a:endParaRPr>
+          </a:p>
+        </p:txBody>
+      </p:sp>
+    </p:spTree>
+    <p:extLst>
+      <p:ext uri="{BB962C8B-B14F-4D97-AF65-F5344CB8AC3E}">
+        <p14:creationId xmlns:p14="http://schemas.microsoft.com/office/powerpoint/2010/main" val="2713706252"/>
+      </p:ext>
+    </p:extLst>
+  </p:cSld>
+  <p:clrMapOvr>
+    <a:masterClrMapping/>
+  </p:clrMapOvr>
+</p:sld>
+</file>
+
+<file path=ppt/slides/slide6.xml><?xml version="1.0" encoding="utf-8"?>
+<p:sld xmlns:a="http://schemas.openxmlformats.org/drawingml/2006/main" xmlns:r="http://schemas.openxmlformats.org/officeDocument/2006/relationships" xmlns:p="http://schemas.openxmlformats.org/presentationml/2006/main">
+  <p:cSld>
+    <p:spTree>
+      <p:nvGrpSpPr>
+        <p:cNvPr id="1" name=""/>
+        <p:cNvGrpSpPr/>
+        <p:nvPr/>
+      </p:nvGrpSpPr>
+      <p:grpSpPr>
+        <a:xfrm>
+          <a:off x="0" y="0"/>
+          <a:ext cx="0" cy="0"/>
+          <a:chOff x="0" y="0"/>
+          <a:chExt cx="0" cy="0"/>
+        </a:xfrm>
+      </p:grpSpPr>
+      <p:pic>
+        <p:nvPicPr>
+          <p:cNvPr id="2" name="Picture 4" descr="Couldn&amp;#39;t find a good picture of the surface background, so I unpackaged and  reassembled it in 1920x1080. : r/noita"/>
+          <p:cNvPicPr>
+            <a:picLocks noChangeAspect="1" noChangeArrowheads="1"/>
+          </p:cNvPicPr>
+          <p:nvPr/>
+        </p:nvPicPr>
+        <p:blipFill>
+          <a:blip r:embed="rId2">
+            <a:extLst>
+              <a:ext uri="{BEBA8EAE-BF5A-486C-A8C5-ECC9F3942E4B}">
+                <a14:imgProps xmlns:a14="http://schemas.microsoft.com/office/drawing/2010/main">
+                  <a14:imgLayer r:embed="rId3">
+                    <a14:imgEffect>
+                      <a14:sharpenSoften amount="-50000"/>
+                    </a14:imgEffect>
+                    <a14:imgEffect>
+                      <a14:colorTemperature colorTemp="7200"/>
+                    </a14:imgEffect>
+                    <a14:imgEffect>
+                      <a14:saturation sat="66000"/>
+                    </a14:imgEffect>
+                    <a14:imgEffect>
+                      <a14:brightnessContrast bright="-20000" contrast="-40000"/>
+                    </a14:imgEffect>
+                  </a14:imgLayer>
+                </a14:imgProps>
+              </a:ext>
+              <a:ext uri="{28A0092B-C50C-407E-A947-70E740481C1C}">
+                <a14:useLocalDpi xmlns:a14="http://schemas.microsoft.com/office/drawing/2010/main" val="0"/>
+              </a:ext>
+            </a:extLst>
+          </a:blip>
+          <a:srcRect/>
+          <a:stretch>
+            <a:fillRect/>
+          </a:stretch>
+        </p:blipFill>
+        <p:spPr bwMode="auto">
+          <a:xfrm>
+            <a:off x="0" y="-1"/>
+            <a:ext cx="9144000" cy="5143501"/>
+          </a:xfrm>
+          <a:prstGeom prst="rect">
+            <a:avLst/>
+          </a:prstGeom>
+          <a:noFill/>
+          <a:extLst>
+            <a:ext uri="{909E8E84-426E-40DD-AFC4-6F175D3DCCD1}">
+              <a14:hiddenFill xmlns:a14="http://schemas.microsoft.com/office/drawing/2010/main">
+                <a:solidFill>
+                  <a:srgbClr val="FFFFFF"/>
+                </a:solidFill>
+              </a14:hiddenFill>
+            </a:ext>
+          </a:extLst>
+        </p:spPr>
+      </p:pic>
       <p:sp>
         <p:nvSpPr>
           <p:cNvPr id="3" name="CustomShape 1"/>
@@ -4368,7 +4551,7 @@
 </p:sld>
 </file>
 
-<file path=ppt/slides/slide6.xml><?xml version="1.0" encoding="utf-8"?>
+<file path=ppt/slides/slide7.xml><?xml version="1.0" encoding="utf-8"?>
 <p:sld xmlns:a="http://schemas.openxmlformats.org/drawingml/2006/main" xmlns:r="http://schemas.openxmlformats.org/officeDocument/2006/relationships" xmlns:p="http://schemas.openxmlformats.org/presentationml/2006/main">
   <p:cSld>
     <p:spTree>
